--- a/slides/Unit3_Functions.pptx
+++ b/slides/Unit3_Functions.pptx
@@ -200,7 +200,7 @@
 <file path=ppt/revisionInfo.xml><?xml version="1.0" encoding="utf-8"?>
 <p1510:revInfo xmlns:a="http://schemas.openxmlformats.org/drawingml/2006/main" xmlns:r="http://schemas.openxmlformats.org/officeDocument/2006/relationships" xmlns:p1510="http://schemas.microsoft.com/office/powerpoint/2015/10/main">
   <p1510:revLst>
-    <p1510:client id="{A242FB49-04AE-4D67-832A-BC0B094B7B60}" v="278" dt="2024-01-23T01:26:51.741"/>
+    <p1510:client id="{A242FB49-04AE-4D67-832A-BC0B094B7B60}" v="279" dt="2024-01-31T05:27:25.190"/>
   </p1510:revLst>
 </p1510:revInfo>
 </file>
@@ -210,7 +210,7 @@
   <pc:docChgLst>
     <pc:chgData name="Zhao Jin" userId="cd05a825-544c-438a-9ba1-08e63db50b47" providerId="ADAL" clId="{A242FB49-04AE-4D67-832A-BC0B094B7B60}"/>
     <pc:docChg chg="undo custSel addSld modSld sldOrd">
-      <pc:chgData name="Zhao Jin" userId="cd05a825-544c-438a-9ba1-08e63db50b47" providerId="ADAL" clId="{A242FB49-04AE-4D67-832A-BC0B094B7B60}" dt="2024-01-23T01:26:51.741" v="505"/>
+      <pc:chgData name="Zhao Jin" userId="cd05a825-544c-438a-9ba1-08e63db50b47" providerId="ADAL" clId="{A242FB49-04AE-4D67-832A-BC0B094B7B60}" dt="2024-01-24T06:37:17.721" v="524"/>
       <pc:docMkLst>
         <pc:docMk/>
       </pc:docMkLst>
@@ -318,6 +318,45 @@
             <ac:spMk id="13" creationId="{00000000-0000-0000-0000-000000000000}"/>
           </ac:spMkLst>
         </pc:spChg>
+      </pc:sldChg>
+      <pc:sldChg chg="addSp delSp modSp mod">
+        <pc:chgData name="Zhao Jin" userId="cd05a825-544c-438a-9ba1-08e63db50b47" providerId="ADAL" clId="{A242FB49-04AE-4D67-832A-BC0B094B7B60}" dt="2024-01-24T06:37:17.721" v="524"/>
+        <pc:sldMkLst>
+          <pc:docMk/>
+          <pc:sldMk cId="1582525615" sldId="535"/>
+        </pc:sldMkLst>
+        <pc:spChg chg="mod">
+          <ac:chgData name="Zhao Jin" userId="cd05a825-544c-438a-9ba1-08e63db50b47" providerId="ADAL" clId="{A242FB49-04AE-4D67-832A-BC0B094B7B60}" dt="2024-01-24T06:37:17.721" v="524"/>
+          <ac:spMkLst>
+            <pc:docMk/>
+            <pc:sldMk cId="1582525615" sldId="535"/>
+            <ac:spMk id="13" creationId="{00000000-0000-0000-0000-000000000000}"/>
+          </ac:spMkLst>
+        </pc:spChg>
+        <pc:spChg chg="add del">
+          <ac:chgData name="Zhao Jin" userId="cd05a825-544c-438a-9ba1-08e63db50b47" providerId="ADAL" clId="{A242FB49-04AE-4D67-832A-BC0B094B7B60}" dt="2024-01-24T06:37:16.385" v="518" actId="478"/>
+          <ac:spMkLst>
+            <pc:docMk/>
+            <pc:sldMk cId="1582525615" sldId="535"/>
+            <ac:spMk id="16" creationId="{00000000-0000-0000-0000-000000000000}"/>
+          </ac:spMkLst>
+        </pc:spChg>
+        <pc:cxnChg chg="add del">
+          <ac:chgData name="Zhao Jin" userId="cd05a825-544c-438a-9ba1-08e63db50b47" providerId="ADAL" clId="{A242FB49-04AE-4D67-832A-BC0B094B7B60}" dt="2024-01-24T06:37:16.385" v="518" actId="478"/>
+          <ac:cxnSpMkLst>
+            <pc:docMk/>
+            <pc:sldMk cId="1582525615" sldId="535"/>
+            <ac:cxnSpMk id="5" creationId="{00000000-0000-0000-0000-000000000000}"/>
+          </ac:cxnSpMkLst>
+        </pc:cxnChg>
+        <pc:cxnChg chg="add del">
+          <ac:chgData name="Zhao Jin" userId="cd05a825-544c-438a-9ba1-08e63db50b47" providerId="ADAL" clId="{A242FB49-04AE-4D67-832A-BC0B094B7B60}" dt="2024-01-24T06:37:16.385" v="518" actId="478"/>
+          <ac:cxnSpMkLst>
+            <pc:docMk/>
+            <pc:sldMk cId="1582525615" sldId="535"/>
+            <ac:cxnSpMk id="17" creationId="{00000000-0000-0000-0000-000000000000}"/>
+          </ac:cxnSpMkLst>
+        </pc:cxnChg>
       </pc:sldChg>
       <pc:sldChg chg="addSp modSp mod">
         <pc:chgData name="Zhao Jin" userId="cd05a825-544c-438a-9ba1-08e63db50b47" providerId="ADAL" clId="{A242FB49-04AE-4D67-832A-BC0B094B7B60}" dt="2024-01-23T01:23:57.626" v="480" actId="20577"/>
@@ -1021,7 +1060,7 @@
               <a:pPr>
                 <a:defRPr/>
               </a:pPr>
-              <a:t>1/23/2024</a:t>
+              <a:t>1/31/2024</a:t>
             </a:fld>
             <a:endParaRPr lang="en-US" dirty="0"/>
           </a:p>
@@ -9961,16 +10000,12 @@
               <a:buChar char="n"/>
             </a:pPr>
             <a:r>
+              <a:rPr lang="en-US" sz="2400" i="1"/>
+              <a:t>result: </a:t>
+            </a:r>
+            <a:r>
               <a:rPr lang="en-US" sz="2400" i="1" dirty="0"/>
-              <a:t>result: </a:t>
-            </a:r>
-            <a:r>
-              <a:rPr lang="en-US" sz="2400" i="1" dirty="0" err="1"/>
-              <a:t>sqrt</a:t>
-            </a:r>
-            <a:r>
-              <a:rPr lang="en-US" sz="2400" i="1" dirty="0"/>
-              <a:t> ( mean ( square ( subtract (L, k, mean (L, k)), k), k)</a:t>
+              <a:t>sqrt ( mean ( square ( subtract (L, k, mean (L, k)), k), k)</a:t>
             </a:r>
           </a:p>
           <a:p>
@@ -17753,10 +17788,9 @@
               <a:defRPr/>
             </a:pPr>
             <a:r>
-              <a:rPr lang="en-US"/>
+              <a:rPr lang="en-US" dirty="0"/>
               <a:t>CS1010 (AY2023/24 Semester 2)</a:t>
             </a:r>
-            <a:endParaRPr lang="en-US" dirty="0"/>
           </a:p>
         </p:txBody>
       </p:sp>
